--- a/Meeting 30.pptx
+++ b/Meeting 30.pptx
@@ -7,10 +7,13 @@
   <p:sldIdLst>
     <p:sldId id="256" r:id="rId2"/>
     <p:sldId id="261" r:id="rId3"/>
-    <p:sldId id="257" r:id="rId4"/>
-    <p:sldId id="258" r:id="rId5"/>
-    <p:sldId id="259" r:id="rId6"/>
-    <p:sldId id="260" r:id="rId7"/>
+    <p:sldId id="262" r:id="rId4"/>
+    <p:sldId id="257" r:id="rId5"/>
+    <p:sldId id="258" r:id="rId6"/>
+    <p:sldId id="259" r:id="rId7"/>
+    <p:sldId id="260" r:id="rId8"/>
+    <p:sldId id="264" r:id="rId9"/>
+    <p:sldId id="263" r:id="rId10"/>
   </p:sldIdLst>
   <p:sldSz cx="12192000" cy="6858000"/>
   <p:notesSz cx="6858000" cy="9144000"/>
@@ -109,6 +112,11 @@
       </a:defRPr>
     </a:lvl9pPr>
   </p:defaultTextStyle>
+  <p:extLst>
+    <p:ext uri="{EFAFB233-063F-42B5-8137-9DF3F51BA10A}">
+      <p15:sldGuideLst xmlns:p15="http://schemas.microsoft.com/office/powerpoint/2012/main"/>
+    </p:ext>
+  </p:extLst>
 </p:presentation>
 </file>
 
@@ -261,7 +269,7 @@
           <a:p>
             <a:fld id="{593F4438-E0FA-4719-BE81-AF86A87741B1}" type="datetimeFigureOut">
               <a:rPr lang="en-GB" smtClean="0"/>
-              <a:t>09/12/2021</a:t>
+              <a:t>16/12/2021</a:t>
             </a:fld>
             <a:endParaRPr lang="en-GB"/>
           </a:p>
@@ -461,7 +469,7 @@
           <a:p>
             <a:fld id="{593F4438-E0FA-4719-BE81-AF86A87741B1}" type="datetimeFigureOut">
               <a:rPr lang="en-GB" smtClean="0"/>
-              <a:t>09/12/2021</a:t>
+              <a:t>16/12/2021</a:t>
             </a:fld>
             <a:endParaRPr lang="en-GB"/>
           </a:p>
@@ -671,7 +679,7 @@
           <a:p>
             <a:fld id="{593F4438-E0FA-4719-BE81-AF86A87741B1}" type="datetimeFigureOut">
               <a:rPr lang="en-GB" smtClean="0"/>
-              <a:t>09/12/2021</a:t>
+              <a:t>16/12/2021</a:t>
             </a:fld>
             <a:endParaRPr lang="en-GB"/>
           </a:p>
@@ -871,7 +879,7 @@
           <a:p>
             <a:fld id="{593F4438-E0FA-4719-BE81-AF86A87741B1}" type="datetimeFigureOut">
               <a:rPr lang="en-GB" smtClean="0"/>
-              <a:t>09/12/2021</a:t>
+              <a:t>16/12/2021</a:t>
             </a:fld>
             <a:endParaRPr lang="en-GB"/>
           </a:p>
@@ -1147,7 +1155,7 @@
           <a:p>
             <a:fld id="{593F4438-E0FA-4719-BE81-AF86A87741B1}" type="datetimeFigureOut">
               <a:rPr lang="en-GB" smtClean="0"/>
-              <a:t>09/12/2021</a:t>
+              <a:t>16/12/2021</a:t>
             </a:fld>
             <a:endParaRPr lang="en-GB"/>
           </a:p>
@@ -1415,7 +1423,7 @@
           <a:p>
             <a:fld id="{593F4438-E0FA-4719-BE81-AF86A87741B1}" type="datetimeFigureOut">
               <a:rPr lang="en-GB" smtClean="0"/>
-              <a:t>09/12/2021</a:t>
+              <a:t>16/12/2021</a:t>
             </a:fld>
             <a:endParaRPr lang="en-GB"/>
           </a:p>
@@ -1830,7 +1838,7 @@
           <a:p>
             <a:fld id="{593F4438-E0FA-4719-BE81-AF86A87741B1}" type="datetimeFigureOut">
               <a:rPr lang="en-GB" smtClean="0"/>
-              <a:t>09/12/2021</a:t>
+              <a:t>16/12/2021</a:t>
             </a:fld>
             <a:endParaRPr lang="en-GB"/>
           </a:p>
@@ -1972,7 +1980,7 @@
           <a:p>
             <a:fld id="{593F4438-E0FA-4719-BE81-AF86A87741B1}" type="datetimeFigureOut">
               <a:rPr lang="en-GB" smtClean="0"/>
-              <a:t>09/12/2021</a:t>
+              <a:t>16/12/2021</a:t>
             </a:fld>
             <a:endParaRPr lang="en-GB"/>
           </a:p>
@@ -2085,7 +2093,7 @@
           <a:p>
             <a:fld id="{593F4438-E0FA-4719-BE81-AF86A87741B1}" type="datetimeFigureOut">
               <a:rPr lang="en-GB" smtClean="0"/>
-              <a:t>09/12/2021</a:t>
+              <a:t>16/12/2021</a:t>
             </a:fld>
             <a:endParaRPr lang="en-GB"/>
           </a:p>
@@ -2398,7 +2406,7 @@
           <a:p>
             <a:fld id="{593F4438-E0FA-4719-BE81-AF86A87741B1}" type="datetimeFigureOut">
               <a:rPr lang="en-GB" smtClean="0"/>
-              <a:t>09/12/2021</a:t>
+              <a:t>16/12/2021</a:t>
             </a:fld>
             <a:endParaRPr lang="en-GB"/>
           </a:p>
@@ -2687,7 +2695,7 @@
           <a:p>
             <a:fld id="{593F4438-E0FA-4719-BE81-AF86A87741B1}" type="datetimeFigureOut">
               <a:rPr lang="en-GB" smtClean="0"/>
-              <a:t>09/12/2021</a:t>
+              <a:t>16/12/2021</a:t>
             </a:fld>
             <a:endParaRPr lang="en-GB"/>
           </a:p>
@@ -2930,7 +2938,7 @@
           <a:p>
             <a:fld id="{593F4438-E0FA-4719-BE81-AF86A87741B1}" type="datetimeFigureOut">
               <a:rPr lang="en-GB" smtClean="0"/>
-              <a:t>09/12/2021</a:t>
+              <a:t>16/12/2021</a:t>
             </a:fld>
             <a:endParaRPr lang="en-GB"/>
           </a:p>
@@ -3376,31 +3384,6 @@
           </a:p>
         </p:txBody>
       </p:sp>
-      <p:sp>
-        <p:nvSpPr>
-          <p:cNvPr id="3" name="Subtitle 2">
-            <a:extLst>
-              <a:ext uri="{FF2B5EF4-FFF2-40B4-BE49-F238E27FC236}">
-                <a16:creationId xmlns:a16="http://schemas.microsoft.com/office/drawing/2014/main" id="{C0136BC6-BFB2-434E-87DC-2F3FE5A47CC9}"/>
-              </a:ext>
-            </a:extLst>
-          </p:cNvPr>
-          <p:cNvSpPr>
-            <a:spLocks noGrp="1"/>
-          </p:cNvSpPr>
-          <p:nvPr>
-            <p:ph type="subTitle" idx="1"/>
-          </p:nvPr>
-        </p:nvSpPr>
-        <p:spPr/>
-        <p:txBody>
-          <a:bodyPr/>
-          <a:lstStyle/>
-          <a:p>
-            <a:endParaRPr lang="en-GB"/>
-          </a:p>
-        </p:txBody>
-      </p:sp>
     </p:spTree>
     <p:extLst>
       <p:ext uri="{BB962C8B-B14F-4D97-AF65-F5344CB8AC3E}">
@@ -3543,12 +3526,92 @@
           <a:chExt cx="0" cy="0"/>
         </a:xfrm>
       </p:grpSpPr>
+      <p:sp>
+        <p:nvSpPr>
+          <p:cNvPr id="2" name="Title 1">
+            <a:extLst>
+              <a:ext uri="{FF2B5EF4-FFF2-40B4-BE49-F238E27FC236}">
+                <a16:creationId xmlns:a16="http://schemas.microsoft.com/office/drawing/2014/main" id="{9831302F-3CF3-4A87-A8F0-A1B59D7E762A}"/>
+              </a:ext>
+            </a:extLst>
+          </p:cNvPr>
+          <p:cNvSpPr>
+            <a:spLocks noGrp="1"/>
+          </p:cNvSpPr>
+          <p:nvPr>
+            <p:ph type="title"/>
+          </p:nvPr>
+        </p:nvSpPr>
+        <p:spPr/>
+        <p:txBody>
+          <a:bodyPr/>
+          <a:lstStyle/>
+          <a:p>
+            <a:r>
+              <a:rPr lang="en-AU" dirty="0"/>
+              <a:t>Amount model</a:t>
+            </a:r>
+          </a:p>
+        </p:txBody>
+      </p:sp>
+      <p:sp>
+        <p:nvSpPr>
+          <p:cNvPr id="3" name="Content Placeholder 2">
+            <a:extLst>
+              <a:ext uri="{FF2B5EF4-FFF2-40B4-BE49-F238E27FC236}">
+                <a16:creationId xmlns:a16="http://schemas.microsoft.com/office/drawing/2014/main" id="{603FFE43-6250-4F76-9706-561CE68628F3}"/>
+              </a:ext>
+            </a:extLst>
+          </p:cNvPr>
+          <p:cNvSpPr>
+            <a:spLocks noGrp="1"/>
+          </p:cNvSpPr>
+          <p:nvPr>
+            <p:ph idx="1"/>
+          </p:nvPr>
+        </p:nvSpPr>
+        <p:spPr/>
+        <p:txBody>
+          <a:bodyPr/>
+          <a:lstStyle/>
+          <a:p>
+            <a:r>
+              <a:rPr lang="en-AU" dirty="0"/>
+              <a:t>Generate a binary series of rainfall occurrence for a month &gt;&gt; for each 1 in the binary generate 1 value from the gamma distribution</a:t>
+            </a:r>
+          </a:p>
+          <a:p>
+            <a:endParaRPr lang="en-AU" dirty="0"/>
+          </a:p>
+          <a:p>
+            <a:endParaRPr lang="en-AU" dirty="0"/>
+          </a:p>
+          <a:p>
+            <a:r>
+              <a:rPr lang="en-AU" dirty="0">
+                <a:solidFill>
+                  <a:schemeClr val="accent6">
+                    <a:lumMod val="75000"/>
+                  </a:schemeClr>
+                </a:solidFill>
+              </a:rPr>
+              <a:t>Generate a binary series of rainfall occurrence for a month &gt;&gt; generate a random series from the gamma distribution with length equals to all 1s in the binary series</a:t>
+            </a:r>
+          </a:p>
+          <a:p>
+            <a:endParaRPr lang="en-AU" dirty="0"/>
+          </a:p>
+          <a:p>
+            <a:endParaRPr lang="en-AU" dirty="0"/>
+          </a:p>
+        </p:txBody>
+      </p:sp>
       <p:pic>
         <p:nvPicPr>
-          <p:cNvPr id="16" name="Picture 15">
-            <a:extLst>
-              <a:ext uri="{FF2B5EF4-FFF2-40B4-BE49-F238E27FC236}">
-                <a16:creationId xmlns:a16="http://schemas.microsoft.com/office/drawing/2014/main" id="{009679B9-6538-4D8C-8034-A99C99ADACD6}"/>
+          <p:cNvPr id="6" name="Picture 5">
+            <a:extLst>
+              <a:ext uri="{FF2B5EF4-FFF2-40B4-BE49-F238E27FC236}">
+                <a16:creationId xmlns:a16="http://schemas.microsoft.com/office/drawing/2014/main" id="{300120B0-47B6-44B9-8857-F34FF5119BE4}"/>
               </a:ext>
             </a:extLst>
           </p:cNvPr>
@@ -3565,332 +3628,48 @@
         </p:blipFill>
         <p:spPr>
           <a:xfrm>
-            <a:off x="2275115" y="795947"/>
-            <a:ext cx="7134148" cy="5385582"/>
+            <a:off x="4000343" y="2822214"/>
+            <a:ext cx="3547110" cy="749026"/>
           </a:xfrm>
           <a:prstGeom prst="rect">
             <a:avLst/>
           </a:prstGeom>
         </p:spPr>
       </p:pic>
-      <p:sp>
-        <p:nvSpPr>
-          <p:cNvPr id="6" name="TextBox 5">
-            <a:extLst>
-              <a:ext uri="{FF2B5EF4-FFF2-40B4-BE49-F238E27FC236}">
-                <a16:creationId xmlns:a16="http://schemas.microsoft.com/office/drawing/2014/main" id="{2CDB7145-D604-42C6-AAF4-F5DC68BF0436}"/>
-              </a:ext>
-            </a:extLst>
-          </p:cNvPr>
-          <p:cNvSpPr txBox="1"/>
+      <p:pic>
+        <p:nvPicPr>
+          <p:cNvPr id="8" name="Picture 7">
+            <a:extLst>
+              <a:ext uri="{FF2B5EF4-FFF2-40B4-BE49-F238E27FC236}">
+                <a16:creationId xmlns:a16="http://schemas.microsoft.com/office/drawing/2014/main" id="{2AEC9DC3-7EA0-4D92-B2DB-F904DA614A8D}"/>
+              </a:ext>
+            </a:extLst>
+          </p:cNvPr>
+          <p:cNvPicPr>
+            <a:picLocks noChangeAspect="1"/>
+          </p:cNvPicPr>
           <p:nvPr/>
-        </p:nvSpPr>
-        <p:spPr>
-          <a:xfrm rot="16200000">
-            <a:off x="1586786" y="3353783"/>
-            <a:ext cx="1376659" cy="369332"/>
+        </p:nvPicPr>
+        <p:blipFill>
+          <a:blip r:embed="rId3"/>
+          <a:stretch>
+            <a:fillRect/>
+          </a:stretch>
+        </p:blipFill>
+        <p:spPr>
+          <a:xfrm>
+            <a:off x="3903558" y="5058833"/>
+            <a:ext cx="3740680" cy="1523151"/>
           </a:xfrm>
           <a:prstGeom prst="rect">
             <a:avLst/>
           </a:prstGeom>
-          <a:noFill/>
-        </p:spPr>
-        <p:txBody>
-          <a:bodyPr wrap="none" rtlCol="0">
-            <a:spAutoFit/>
-          </a:bodyPr>
-          <a:lstStyle/>
-          <a:p>
-            <a:r>
-              <a:rPr lang="en-US" dirty="0"/>
-              <a:t>Runoff (mm)</a:t>
-            </a:r>
-            <a:endParaRPr lang="en-GB" dirty="0"/>
-          </a:p>
-        </p:txBody>
-      </p:sp>
-      <p:sp>
-        <p:nvSpPr>
-          <p:cNvPr id="7" name="TextBox 6">
-            <a:extLst>
-              <a:ext uri="{FF2B5EF4-FFF2-40B4-BE49-F238E27FC236}">
-                <a16:creationId xmlns:a16="http://schemas.microsoft.com/office/drawing/2014/main" id="{94905C14-2F25-4549-947E-E2173C63A185}"/>
-              </a:ext>
-            </a:extLst>
-          </p:cNvPr>
-          <p:cNvSpPr txBox="1"/>
-          <p:nvPr/>
-        </p:nvSpPr>
-        <p:spPr>
-          <a:xfrm rot="16200000">
-            <a:off x="9181809" y="3353781"/>
-            <a:ext cx="1157689" cy="369332"/>
-          </a:xfrm>
-          <a:prstGeom prst="rect">
-            <a:avLst/>
-          </a:prstGeom>
-          <a:noFill/>
-        </p:spPr>
-        <p:txBody>
-          <a:bodyPr wrap="none" rtlCol="0">
-            <a:spAutoFit/>
-          </a:bodyPr>
-          <a:lstStyle/>
-          <a:p>
-            <a:r>
-              <a:rPr lang="en-US" dirty="0">
-                <a:solidFill>
-                  <a:srgbClr val="3351FF"/>
-                </a:solidFill>
-              </a:rPr>
-              <a:t>Rain (mm)</a:t>
-            </a:r>
-            <a:endParaRPr lang="en-GB" dirty="0">
-              <a:solidFill>
-                <a:srgbClr val="3351FF"/>
-              </a:solidFill>
-            </a:endParaRPr>
-          </a:p>
-        </p:txBody>
-      </p:sp>
-      <p:cxnSp>
-        <p:nvCxnSpPr>
-          <p:cNvPr id="9" name="Straight Connector 8">
-            <a:extLst>
-              <a:ext uri="{FF2B5EF4-FFF2-40B4-BE49-F238E27FC236}">
-                <a16:creationId xmlns:a16="http://schemas.microsoft.com/office/drawing/2014/main" id="{6A6D8E53-0112-492D-B72A-C3D4FD964009}"/>
-              </a:ext>
-            </a:extLst>
-          </p:cNvPr>
-          <p:cNvCxnSpPr/>
-          <p:nvPr/>
-        </p:nvCxnSpPr>
-        <p:spPr>
-          <a:xfrm>
-            <a:off x="3211286" y="3701143"/>
-            <a:ext cx="337457" cy="0"/>
-          </a:xfrm>
-          <a:prstGeom prst="line">
-            <a:avLst/>
-          </a:prstGeom>
-          <a:ln>
-            <a:solidFill>
-              <a:srgbClr val="3351FF"/>
-            </a:solidFill>
-          </a:ln>
-        </p:spPr>
-        <p:style>
-          <a:lnRef idx="1">
-            <a:schemeClr val="accent1"/>
-          </a:lnRef>
-          <a:fillRef idx="0">
-            <a:schemeClr val="accent1"/>
-          </a:fillRef>
-          <a:effectRef idx="0">
-            <a:schemeClr val="accent1"/>
-          </a:effectRef>
-          <a:fontRef idx="minor">
-            <a:schemeClr val="tx1"/>
-          </a:fontRef>
-        </p:style>
-      </p:cxnSp>
-      <p:cxnSp>
-        <p:nvCxnSpPr>
-          <p:cNvPr id="10" name="Straight Connector 9">
-            <a:extLst>
-              <a:ext uri="{FF2B5EF4-FFF2-40B4-BE49-F238E27FC236}">
-                <a16:creationId xmlns:a16="http://schemas.microsoft.com/office/drawing/2014/main" id="{00DF7D6C-470F-4D92-ADF6-87743623A252}"/>
-              </a:ext>
-            </a:extLst>
-          </p:cNvPr>
-          <p:cNvCxnSpPr/>
-          <p:nvPr/>
-        </p:nvCxnSpPr>
-        <p:spPr>
-          <a:xfrm>
-            <a:off x="3211286" y="3930334"/>
-            <a:ext cx="337457" cy="0"/>
-          </a:xfrm>
-          <a:prstGeom prst="line">
-            <a:avLst/>
-          </a:prstGeom>
-          <a:ln>
-            <a:solidFill>
-              <a:schemeClr val="tx1"/>
-            </a:solidFill>
-          </a:ln>
-        </p:spPr>
-        <p:style>
-          <a:lnRef idx="1">
-            <a:schemeClr val="accent1"/>
-          </a:lnRef>
-          <a:fillRef idx="0">
-            <a:schemeClr val="accent1"/>
-          </a:fillRef>
-          <a:effectRef idx="0">
-            <a:schemeClr val="accent1"/>
-          </a:effectRef>
-          <a:fontRef idx="minor">
-            <a:schemeClr val="tx1"/>
-          </a:fontRef>
-        </p:style>
-      </p:cxnSp>
-      <p:sp>
-        <p:nvSpPr>
-          <p:cNvPr id="11" name="TextBox 10">
-            <a:extLst>
-              <a:ext uri="{FF2B5EF4-FFF2-40B4-BE49-F238E27FC236}">
-                <a16:creationId xmlns:a16="http://schemas.microsoft.com/office/drawing/2014/main" id="{D80BEC7F-75CA-444B-AF29-6F8C725A9857}"/>
-              </a:ext>
-            </a:extLst>
-          </p:cNvPr>
-          <p:cNvSpPr txBox="1"/>
-          <p:nvPr/>
-        </p:nvSpPr>
-        <p:spPr>
-          <a:xfrm>
-            <a:off x="3592676" y="3570338"/>
-            <a:ext cx="688009" cy="261610"/>
-          </a:xfrm>
-          <a:prstGeom prst="rect">
-            <a:avLst/>
-          </a:prstGeom>
-          <a:noFill/>
-        </p:spPr>
-        <p:txBody>
-          <a:bodyPr wrap="none" rtlCol="0">
-            <a:spAutoFit/>
-          </a:bodyPr>
-          <a:lstStyle/>
-          <a:p>
-            <a:r>
-              <a:rPr lang="en-US" sz="1100" dirty="0"/>
-              <a:t>Obs Rain</a:t>
-            </a:r>
-            <a:endParaRPr lang="en-GB" sz="1100" dirty="0"/>
-          </a:p>
-        </p:txBody>
-      </p:sp>
-      <p:sp>
-        <p:nvSpPr>
-          <p:cNvPr id="12" name="TextBox 11">
-            <a:extLst>
-              <a:ext uri="{FF2B5EF4-FFF2-40B4-BE49-F238E27FC236}">
-                <a16:creationId xmlns:a16="http://schemas.microsoft.com/office/drawing/2014/main" id="{556C354F-497E-4FA1-A264-47A7793D669F}"/>
-              </a:ext>
-            </a:extLst>
-          </p:cNvPr>
-          <p:cNvSpPr txBox="1"/>
-          <p:nvPr/>
-        </p:nvSpPr>
-        <p:spPr>
-          <a:xfrm>
-            <a:off x="3592676" y="3799529"/>
-            <a:ext cx="1087157" cy="261610"/>
-          </a:xfrm>
-          <a:prstGeom prst="rect">
-            <a:avLst/>
-          </a:prstGeom>
-          <a:noFill/>
-        </p:spPr>
-        <p:txBody>
-          <a:bodyPr wrap="none" rtlCol="0">
-            <a:spAutoFit/>
-          </a:bodyPr>
-          <a:lstStyle/>
-          <a:p>
-            <a:r>
-              <a:rPr lang="en-US" sz="1100" dirty="0"/>
-              <a:t>Vir.Obs. Runoff</a:t>
-            </a:r>
-            <a:endParaRPr lang="en-GB" sz="1100" dirty="0"/>
-          </a:p>
-        </p:txBody>
-      </p:sp>
-      <p:sp>
-        <p:nvSpPr>
-          <p:cNvPr id="13" name="TextBox 12">
-            <a:extLst>
-              <a:ext uri="{FF2B5EF4-FFF2-40B4-BE49-F238E27FC236}">
-                <a16:creationId xmlns:a16="http://schemas.microsoft.com/office/drawing/2014/main" id="{46CC7867-7609-4C26-BAFD-D11CDAC384DC}"/>
-              </a:ext>
-            </a:extLst>
-          </p:cNvPr>
-          <p:cNvSpPr txBox="1"/>
-          <p:nvPr/>
-        </p:nvSpPr>
-        <p:spPr>
-          <a:xfrm>
-            <a:off x="4328304" y="6035841"/>
-            <a:ext cx="3535391" cy="369332"/>
-          </a:xfrm>
-          <a:prstGeom prst="rect">
-            <a:avLst/>
-          </a:prstGeom>
-          <a:noFill/>
-        </p:spPr>
-        <p:txBody>
-          <a:bodyPr wrap="none" rtlCol="0">
-            <a:spAutoFit/>
-          </a:bodyPr>
-          <a:lstStyle/>
-          <a:p>
-            <a:r>
-              <a:rPr lang="en-US" dirty="0"/>
-              <a:t>Annual Maxima Runoff (1965-1979)</a:t>
-            </a:r>
-            <a:endParaRPr lang="en-GB" dirty="0"/>
-          </a:p>
-        </p:txBody>
-      </p:sp>
-      <p:sp>
-        <p:nvSpPr>
-          <p:cNvPr id="14" name="TextBox 13">
-            <a:extLst>
-              <a:ext uri="{FF2B5EF4-FFF2-40B4-BE49-F238E27FC236}">
-                <a16:creationId xmlns:a16="http://schemas.microsoft.com/office/drawing/2014/main" id="{D52FDF1B-448E-4664-9F22-8D6D5312ED28}"/>
-              </a:ext>
-            </a:extLst>
-          </p:cNvPr>
-          <p:cNvSpPr txBox="1"/>
-          <p:nvPr/>
-        </p:nvSpPr>
-        <p:spPr>
-          <a:xfrm>
-            <a:off x="4328303" y="426615"/>
-            <a:ext cx="3597523" cy="369332"/>
-          </a:xfrm>
-          <a:prstGeom prst="rect">
-            <a:avLst/>
-          </a:prstGeom>
-          <a:noFill/>
-        </p:spPr>
-        <p:txBody>
-          <a:bodyPr wrap="none" rtlCol="0">
-            <a:spAutoFit/>
-          </a:bodyPr>
-          <a:lstStyle/>
-          <a:p>
-            <a:r>
-              <a:rPr lang="en-US" dirty="0">
-                <a:solidFill>
-                  <a:srgbClr val="3351FF"/>
-                </a:solidFill>
-              </a:rPr>
-              <a:t>Annual Maxima Rainfall (1965-1979)</a:t>
-            </a:r>
-            <a:endParaRPr lang="en-GB" dirty="0">
-              <a:solidFill>
-                <a:srgbClr val="3351FF"/>
-              </a:solidFill>
-            </a:endParaRPr>
-          </a:p>
-        </p:txBody>
-      </p:sp>
+        </p:spPr>
+      </p:pic>
     </p:spTree>
     <p:extLst>
       <p:ext uri="{BB962C8B-B14F-4D97-AF65-F5344CB8AC3E}">
-        <p14:creationId xmlns:p14="http://schemas.microsoft.com/office/powerpoint/2010/main" val="2884238658"/>
+        <p14:creationId xmlns:p14="http://schemas.microsoft.com/office/powerpoint/2010/main" val="3167395795"/>
       </p:ext>
     </p:extLst>
   </p:cSld>
@@ -3919,10 +3698,10 @@
       </p:grpSpPr>
       <p:pic>
         <p:nvPicPr>
-          <p:cNvPr id="5" name="Picture 4">
-            <a:extLst>
-              <a:ext uri="{FF2B5EF4-FFF2-40B4-BE49-F238E27FC236}">
-                <a16:creationId xmlns:a16="http://schemas.microsoft.com/office/drawing/2014/main" id="{BA9B727C-9B61-49F1-9F31-CD490C8686F3}"/>
+          <p:cNvPr id="16" name="Picture 15">
+            <a:extLst>
+              <a:ext uri="{FF2B5EF4-FFF2-40B4-BE49-F238E27FC236}">
+                <a16:creationId xmlns:a16="http://schemas.microsoft.com/office/drawing/2014/main" id="{009679B9-6538-4D8C-8034-A99C99ADACD6}"/>
               </a:ext>
             </a:extLst>
           </p:cNvPr>
@@ -3939,8 +3718,8 @@
         </p:blipFill>
         <p:spPr>
           <a:xfrm>
-            <a:off x="2090449" y="661951"/>
-            <a:ext cx="7330884" cy="5534098"/>
+            <a:off x="2275115" y="795947"/>
+            <a:ext cx="7134148" cy="5385582"/>
           </a:xfrm>
           <a:prstGeom prst="rect">
             <a:avLst/>
@@ -3952,7 +3731,7 @@
           <p:cNvPr id="6" name="TextBox 5">
             <a:extLst>
               <a:ext uri="{FF2B5EF4-FFF2-40B4-BE49-F238E27FC236}">
-                <a16:creationId xmlns:a16="http://schemas.microsoft.com/office/drawing/2014/main" id="{EE381DB2-BC4C-44E6-8B04-4976EFDCEA47}"/>
+                <a16:creationId xmlns:a16="http://schemas.microsoft.com/office/drawing/2014/main" id="{2CDB7145-D604-42C6-AAF4-F5DC68BF0436}"/>
               </a:ext>
             </a:extLst>
           </p:cNvPr>
@@ -3961,7 +3740,7 @@
         </p:nvSpPr>
         <p:spPr>
           <a:xfrm rot="16200000">
-            <a:off x="1464790" y="3353781"/>
+            <a:off x="1586786" y="3353783"/>
             <a:ext cx="1376659" cy="369332"/>
           </a:xfrm>
           <a:prstGeom prst="rect">
@@ -3988,7 +3767,7 @@
           <p:cNvPr id="7" name="TextBox 6">
             <a:extLst>
               <a:ext uri="{FF2B5EF4-FFF2-40B4-BE49-F238E27FC236}">
-                <a16:creationId xmlns:a16="http://schemas.microsoft.com/office/drawing/2014/main" id="{B42935C7-9EE4-49FB-AEC0-76077729F497}"/>
+                <a16:creationId xmlns:a16="http://schemas.microsoft.com/office/drawing/2014/main" id="{94905C14-2F25-4549-947E-E2173C63A185}"/>
               </a:ext>
             </a:extLst>
           </p:cNvPr>
@@ -3997,7 +3776,7 @@
         </p:nvSpPr>
         <p:spPr>
           <a:xfrm rot="16200000">
-            <a:off x="9149152" y="3353782"/>
+            <a:off x="9181809" y="3353781"/>
             <a:ext cx="1157689" cy="369332"/>
           </a:xfrm>
           <a:prstGeom prst="rect">
@@ -4027,100 +3806,12 @@
           </a:p>
         </p:txBody>
       </p:sp>
-      <p:sp>
-        <p:nvSpPr>
-          <p:cNvPr id="8" name="TextBox 7">
-            <a:extLst>
-              <a:ext uri="{FF2B5EF4-FFF2-40B4-BE49-F238E27FC236}">
-                <a16:creationId xmlns:a16="http://schemas.microsoft.com/office/drawing/2014/main" id="{3FE1D026-08EE-4716-A022-1E1282F54856}"/>
-              </a:ext>
-            </a:extLst>
-          </p:cNvPr>
-          <p:cNvSpPr txBox="1"/>
-          <p:nvPr/>
-        </p:nvSpPr>
-        <p:spPr>
-          <a:xfrm>
-            <a:off x="4032839" y="883815"/>
-            <a:ext cx="4126322" cy="369332"/>
-          </a:xfrm>
-          <a:prstGeom prst="rect">
-            <a:avLst/>
-          </a:prstGeom>
-          <a:noFill/>
-        </p:spPr>
-        <p:txBody>
-          <a:bodyPr wrap="none" rtlCol="0">
-            <a:spAutoFit/>
-          </a:bodyPr>
-          <a:lstStyle/>
-          <a:p>
-            <a:r>
-              <a:rPr lang="en-US" dirty="0">
-                <a:solidFill>
-                  <a:srgbClr val="3351FF"/>
-                </a:solidFill>
-              </a:rPr>
-              <a:t>Daily Rainfall (01 July 1974 – 30 Sep 1974)</a:t>
-            </a:r>
-            <a:endParaRPr lang="en-GB" dirty="0">
-              <a:solidFill>
-                <a:srgbClr val="3351FF"/>
-              </a:solidFill>
-            </a:endParaRPr>
-          </a:p>
-        </p:txBody>
-      </p:sp>
-      <p:sp>
-        <p:nvSpPr>
-          <p:cNvPr id="9" name="TextBox 8">
-            <a:extLst>
-              <a:ext uri="{FF2B5EF4-FFF2-40B4-BE49-F238E27FC236}">
-                <a16:creationId xmlns:a16="http://schemas.microsoft.com/office/drawing/2014/main" id="{D629B289-C37D-450D-AB60-0136F7417A7B}"/>
-              </a:ext>
-            </a:extLst>
-          </p:cNvPr>
-          <p:cNvSpPr txBox="1"/>
-          <p:nvPr/>
-        </p:nvSpPr>
-        <p:spPr>
-          <a:xfrm>
-            <a:off x="4032839" y="5826717"/>
-            <a:ext cx="4056880" cy="369332"/>
-          </a:xfrm>
-          <a:prstGeom prst="rect">
-            <a:avLst/>
-          </a:prstGeom>
-          <a:noFill/>
-        </p:spPr>
-        <p:txBody>
-          <a:bodyPr wrap="none" rtlCol="0">
-            <a:spAutoFit/>
-          </a:bodyPr>
-          <a:lstStyle/>
-          <a:p>
-            <a:r>
-              <a:rPr lang="en-US" dirty="0">
-                <a:solidFill>
-                  <a:srgbClr val="3351FF"/>
-                </a:solidFill>
-              </a:rPr>
-              <a:t>Daily Runoff (01 July 1974 – 30 Sep 1974)</a:t>
-            </a:r>
-            <a:endParaRPr lang="en-GB" dirty="0">
-              <a:solidFill>
-                <a:srgbClr val="3351FF"/>
-              </a:solidFill>
-            </a:endParaRPr>
-          </a:p>
-        </p:txBody>
-      </p:sp>
       <p:cxnSp>
         <p:nvCxnSpPr>
-          <p:cNvPr id="10" name="Straight Connector 9">
-            <a:extLst>
-              <a:ext uri="{FF2B5EF4-FFF2-40B4-BE49-F238E27FC236}">
-                <a16:creationId xmlns:a16="http://schemas.microsoft.com/office/drawing/2014/main" id="{7041AB1F-BDF1-4468-8F2C-9D1DFF6D1E55}"/>
+          <p:cNvPr id="9" name="Straight Connector 8">
+            <a:extLst>
+              <a:ext uri="{FF2B5EF4-FFF2-40B4-BE49-F238E27FC236}">
+                <a16:creationId xmlns:a16="http://schemas.microsoft.com/office/drawing/2014/main" id="{6A6D8E53-0112-492D-B72A-C3D4FD964009}"/>
               </a:ext>
             </a:extLst>
           </p:cNvPr>
@@ -4129,7 +3820,7 @@
         </p:nvCxnSpPr>
         <p:spPr>
           <a:xfrm>
-            <a:off x="3107870" y="3250006"/>
+            <a:off x="3211286" y="3701143"/>
             <a:ext cx="337457" cy="0"/>
           </a:xfrm>
           <a:prstGeom prst="line">
@@ -4158,10 +3849,10 @@
       </p:cxnSp>
       <p:cxnSp>
         <p:nvCxnSpPr>
-          <p:cNvPr id="11" name="Straight Connector 10">
-            <a:extLst>
-              <a:ext uri="{FF2B5EF4-FFF2-40B4-BE49-F238E27FC236}">
-                <a16:creationId xmlns:a16="http://schemas.microsoft.com/office/drawing/2014/main" id="{340C8E4A-5C56-4735-A53B-215B29874EF9}"/>
+          <p:cNvPr id="10" name="Straight Connector 9">
+            <a:extLst>
+              <a:ext uri="{FF2B5EF4-FFF2-40B4-BE49-F238E27FC236}">
+                <a16:creationId xmlns:a16="http://schemas.microsoft.com/office/drawing/2014/main" id="{00DF7D6C-470F-4D92-ADF6-87743623A252}"/>
               </a:ext>
             </a:extLst>
           </p:cNvPr>
@@ -4170,7 +3861,7 @@
         </p:nvCxnSpPr>
         <p:spPr>
           <a:xfrm>
-            <a:off x="3107870" y="3479197"/>
+            <a:off x="3211286" y="3930334"/>
             <a:ext cx="337457" cy="0"/>
           </a:xfrm>
           <a:prstGeom prst="line">
@@ -4199,10 +3890,10 @@
       </p:cxnSp>
       <p:sp>
         <p:nvSpPr>
-          <p:cNvPr id="12" name="TextBox 11">
-            <a:extLst>
-              <a:ext uri="{FF2B5EF4-FFF2-40B4-BE49-F238E27FC236}">
-                <a16:creationId xmlns:a16="http://schemas.microsoft.com/office/drawing/2014/main" id="{217E8610-925F-4CA6-A999-FCC6F460DAB3}"/>
+          <p:cNvPr id="11" name="TextBox 10">
+            <a:extLst>
+              <a:ext uri="{FF2B5EF4-FFF2-40B4-BE49-F238E27FC236}">
+                <a16:creationId xmlns:a16="http://schemas.microsoft.com/office/drawing/2014/main" id="{D80BEC7F-75CA-444B-AF29-6F8C725A9857}"/>
               </a:ext>
             </a:extLst>
           </p:cNvPr>
@@ -4211,7 +3902,7 @@
         </p:nvSpPr>
         <p:spPr>
           <a:xfrm>
-            <a:off x="3489260" y="3119201"/>
+            <a:off x="3592676" y="3570338"/>
             <a:ext cx="688009" cy="261610"/>
           </a:xfrm>
           <a:prstGeom prst="rect">
@@ -4235,10 +3926,10 @@
       </p:sp>
       <p:sp>
         <p:nvSpPr>
-          <p:cNvPr id="13" name="TextBox 12">
-            <a:extLst>
-              <a:ext uri="{FF2B5EF4-FFF2-40B4-BE49-F238E27FC236}">
-                <a16:creationId xmlns:a16="http://schemas.microsoft.com/office/drawing/2014/main" id="{8CCFB489-915A-4EB0-AFF1-C8B8608E0870}"/>
+          <p:cNvPr id="12" name="TextBox 11">
+            <a:extLst>
+              <a:ext uri="{FF2B5EF4-FFF2-40B4-BE49-F238E27FC236}">
+                <a16:creationId xmlns:a16="http://schemas.microsoft.com/office/drawing/2014/main" id="{556C354F-497E-4FA1-A264-47A7793D669F}"/>
               </a:ext>
             </a:extLst>
           </p:cNvPr>
@@ -4247,8 +3938,8 @@
         </p:nvSpPr>
         <p:spPr>
           <a:xfrm>
-            <a:off x="3489260" y="3348392"/>
-            <a:ext cx="1019831" cy="261610"/>
+            <a:off x="3592676" y="3799529"/>
+            <a:ext cx="1087157" cy="261610"/>
           </a:xfrm>
           <a:prstGeom prst="rect">
             <a:avLst/>
@@ -4263,16 +3954,96 @@
           <a:p>
             <a:r>
               <a:rPr lang="en-US" sz="1100" dirty="0"/>
-              <a:t>Vir.Obs Runoff</a:t>
+              <a:t>Vir.Obs. Runoff</a:t>
             </a:r>
             <a:endParaRPr lang="en-GB" sz="1100" dirty="0"/>
+          </a:p>
+        </p:txBody>
+      </p:sp>
+      <p:sp>
+        <p:nvSpPr>
+          <p:cNvPr id="13" name="TextBox 12">
+            <a:extLst>
+              <a:ext uri="{FF2B5EF4-FFF2-40B4-BE49-F238E27FC236}">
+                <a16:creationId xmlns:a16="http://schemas.microsoft.com/office/drawing/2014/main" id="{46CC7867-7609-4C26-BAFD-D11CDAC384DC}"/>
+              </a:ext>
+            </a:extLst>
+          </p:cNvPr>
+          <p:cNvSpPr txBox="1"/>
+          <p:nvPr/>
+        </p:nvSpPr>
+        <p:spPr>
+          <a:xfrm>
+            <a:off x="4328304" y="6035841"/>
+            <a:ext cx="3535391" cy="369332"/>
+          </a:xfrm>
+          <a:prstGeom prst="rect">
+            <a:avLst/>
+          </a:prstGeom>
+          <a:noFill/>
+        </p:spPr>
+        <p:txBody>
+          <a:bodyPr wrap="none" rtlCol="0">
+            <a:spAutoFit/>
+          </a:bodyPr>
+          <a:lstStyle/>
+          <a:p>
+            <a:r>
+              <a:rPr lang="en-US" dirty="0"/>
+              <a:t>Annual Maxima Runoff (1965-1979)</a:t>
+            </a:r>
+            <a:endParaRPr lang="en-GB" dirty="0"/>
+          </a:p>
+        </p:txBody>
+      </p:sp>
+      <p:sp>
+        <p:nvSpPr>
+          <p:cNvPr id="14" name="TextBox 13">
+            <a:extLst>
+              <a:ext uri="{FF2B5EF4-FFF2-40B4-BE49-F238E27FC236}">
+                <a16:creationId xmlns:a16="http://schemas.microsoft.com/office/drawing/2014/main" id="{D52FDF1B-448E-4664-9F22-8D6D5312ED28}"/>
+              </a:ext>
+            </a:extLst>
+          </p:cNvPr>
+          <p:cNvSpPr txBox="1"/>
+          <p:nvPr/>
+        </p:nvSpPr>
+        <p:spPr>
+          <a:xfrm>
+            <a:off x="4328303" y="426615"/>
+            <a:ext cx="3597523" cy="369332"/>
+          </a:xfrm>
+          <a:prstGeom prst="rect">
+            <a:avLst/>
+          </a:prstGeom>
+          <a:noFill/>
+        </p:spPr>
+        <p:txBody>
+          <a:bodyPr wrap="none" rtlCol="0">
+            <a:spAutoFit/>
+          </a:bodyPr>
+          <a:lstStyle/>
+          <a:p>
+            <a:r>
+              <a:rPr lang="en-US" dirty="0">
+                <a:solidFill>
+                  <a:srgbClr val="3351FF"/>
+                </a:solidFill>
+              </a:rPr>
+              <a:t>Annual Maxima Rainfall (1965-1979)</a:t>
+            </a:r>
+            <a:endParaRPr lang="en-GB" dirty="0">
+              <a:solidFill>
+                <a:srgbClr val="3351FF"/>
+              </a:solidFill>
+            </a:endParaRPr>
           </a:p>
         </p:txBody>
       </p:sp>
     </p:spTree>
     <p:extLst>
       <p:ext uri="{BB962C8B-B14F-4D97-AF65-F5344CB8AC3E}">
-        <p14:creationId xmlns:p14="http://schemas.microsoft.com/office/powerpoint/2010/main" val="2182197043"/>
+        <p14:creationId xmlns:p14="http://schemas.microsoft.com/office/powerpoint/2010/main" val="2884238658"/>
       </p:ext>
     </p:extLst>
   </p:cSld>
@@ -4301,10 +4072,10 @@
       </p:grpSpPr>
       <p:pic>
         <p:nvPicPr>
-          <p:cNvPr id="3" name="Picture 2">
-            <a:extLst>
-              <a:ext uri="{FF2B5EF4-FFF2-40B4-BE49-F238E27FC236}">
-                <a16:creationId xmlns:a16="http://schemas.microsoft.com/office/drawing/2014/main" id="{478DA368-CBE3-4290-897F-68970F159F14}"/>
+          <p:cNvPr id="5" name="Picture 4">
+            <a:extLst>
+              <a:ext uri="{FF2B5EF4-FFF2-40B4-BE49-F238E27FC236}">
+                <a16:creationId xmlns:a16="http://schemas.microsoft.com/office/drawing/2014/main" id="{BA9B727C-9B61-49F1-9F31-CD490C8686F3}"/>
               </a:ext>
             </a:extLst>
           </p:cNvPr>
@@ -4321,7 +4092,7 @@
         </p:blipFill>
         <p:spPr>
           <a:xfrm>
-            <a:off x="2153119" y="661951"/>
+            <a:off x="2090449" y="661951"/>
             <a:ext cx="7330884" cy="5534098"/>
           </a:xfrm>
           <a:prstGeom prst="rect">
@@ -4424,7 +4195,7 @@
         <p:spPr>
           <a:xfrm>
             <a:off x="4032839" y="883815"/>
-            <a:ext cx="4150047" cy="369332"/>
+            <a:ext cx="4126322" cy="369332"/>
           </a:xfrm>
           <a:prstGeom prst="rect">
             <a:avLst/>
@@ -4443,7 +4214,7 @@
                   <a:srgbClr val="3351FF"/>
                 </a:solidFill>
               </a:rPr>
-              <a:t>Daily Rainfall (01 July 1975 – 30 Nov 1975)</a:t>
+              <a:t>Daily Rainfall (01 July 1974 – 30 Sep 1974)</a:t>
             </a:r>
             <a:endParaRPr lang="en-GB" dirty="0">
               <a:solidFill>
@@ -4467,8 +4238,8 @@
         </p:nvSpPr>
         <p:spPr>
           <a:xfrm>
-            <a:off x="4032839" y="5826717"/>
-            <a:ext cx="4087914" cy="369332"/>
+            <a:off x="3266700" y="5838061"/>
+            <a:ext cx="5658600" cy="369332"/>
           </a:xfrm>
           <a:prstGeom prst="rect">
             <a:avLst/>
@@ -4487,7 +4258,7 @@
                   <a:srgbClr val="3351FF"/>
                 </a:solidFill>
               </a:rPr>
-              <a:t>Daily Runoff (01 July 1975 – 30 Nov 1975)</a:t>
+              <a:t>Daily Virtual Observed Runoff (01 July 1974 – 30 Sep 1974)</a:t>
             </a:r>
             <a:endParaRPr lang="en-GB" dirty="0">
               <a:solidFill>
@@ -4511,7 +4282,7 @@
         </p:nvCxnSpPr>
         <p:spPr>
           <a:xfrm>
-            <a:off x="3107870" y="3696321"/>
+            <a:off x="3107870" y="3250006"/>
             <a:ext cx="337457" cy="0"/>
           </a:xfrm>
           <a:prstGeom prst="line">
@@ -4552,7 +4323,7 @@
         </p:nvCxnSpPr>
         <p:spPr>
           <a:xfrm>
-            <a:off x="3107870" y="3925512"/>
+            <a:off x="3107870" y="3479197"/>
             <a:ext cx="337457" cy="0"/>
           </a:xfrm>
           <a:prstGeom prst="line">
@@ -4593,7 +4364,7 @@
         </p:nvSpPr>
         <p:spPr>
           <a:xfrm>
-            <a:off x="3489260" y="3565516"/>
+            <a:off x="3489260" y="3119201"/>
             <a:ext cx="688009" cy="261610"/>
           </a:xfrm>
           <a:prstGeom prst="rect">
@@ -4629,8 +4400,8 @@
         </p:nvSpPr>
         <p:spPr>
           <a:xfrm>
-            <a:off x="3489260" y="3794707"/>
-            <a:ext cx="1087157" cy="261610"/>
+            <a:off x="3489260" y="3348392"/>
+            <a:ext cx="1019831" cy="261610"/>
           </a:xfrm>
           <a:prstGeom prst="rect">
             <a:avLst/>
@@ -4645,7 +4416,7 @@
           <a:p>
             <a:r>
               <a:rPr lang="en-US" sz="1100" dirty="0"/>
-              <a:t>Vir.Obs. Runoff</a:t>
+              <a:t>Vir.Obs Runoff</a:t>
             </a:r>
             <a:endParaRPr lang="en-GB" sz="1100" dirty="0"/>
           </a:p>
@@ -4654,7 +4425,7 @@
     </p:spTree>
     <p:extLst>
       <p:ext uri="{BB962C8B-B14F-4D97-AF65-F5344CB8AC3E}">
-        <p14:creationId xmlns:p14="http://schemas.microsoft.com/office/powerpoint/2010/main" val="1671032650"/>
+        <p14:creationId xmlns:p14="http://schemas.microsoft.com/office/powerpoint/2010/main" val="2182197043"/>
       </p:ext>
     </p:extLst>
   </p:cSld>
@@ -4683,10 +4454,10 @@
       </p:grpSpPr>
       <p:pic>
         <p:nvPicPr>
-          <p:cNvPr id="14" name="Picture 13">
-            <a:extLst>
-              <a:ext uri="{FF2B5EF4-FFF2-40B4-BE49-F238E27FC236}">
-                <a16:creationId xmlns:a16="http://schemas.microsoft.com/office/drawing/2014/main" id="{DEF05BEC-D656-413C-8B47-C1F803D4EB9A}"/>
+          <p:cNvPr id="3" name="Picture 2">
+            <a:extLst>
+              <a:ext uri="{FF2B5EF4-FFF2-40B4-BE49-F238E27FC236}">
+                <a16:creationId xmlns:a16="http://schemas.microsoft.com/office/drawing/2014/main" id="{478DA368-CBE3-4290-897F-68970F159F14}"/>
               </a:ext>
             </a:extLst>
           </p:cNvPr>
@@ -4806,7 +4577,7 @@
         <p:spPr>
           <a:xfrm>
             <a:off x="4032839" y="883815"/>
-            <a:ext cx="4138249" cy="369332"/>
+            <a:ext cx="4150047" cy="369332"/>
           </a:xfrm>
           <a:prstGeom prst="rect">
             <a:avLst/>
@@ -4825,7 +4596,7 @@
                   <a:srgbClr val="3351FF"/>
                 </a:solidFill>
               </a:rPr>
-              <a:t>Daily Rainfall (01 Mar 1978 – 31 Oct 1978)</a:t>
+              <a:t>Daily Rainfall (01 July 1975 – 30 Nov 1975)</a:t>
             </a:r>
             <a:endParaRPr lang="en-GB" dirty="0">
               <a:solidFill>
@@ -4835,50 +4606,6 @@
           </a:p>
         </p:txBody>
       </p:sp>
-      <p:sp>
-        <p:nvSpPr>
-          <p:cNvPr id="9" name="TextBox 8">
-            <a:extLst>
-              <a:ext uri="{FF2B5EF4-FFF2-40B4-BE49-F238E27FC236}">
-                <a16:creationId xmlns:a16="http://schemas.microsoft.com/office/drawing/2014/main" id="{D629B289-C37D-450D-AB60-0136F7417A7B}"/>
-              </a:ext>
-            </a:extLst>
-          </p:cNvPr>
-          <p:cNvSpPr txBox="1"/>
-          <p:nvPr/>
-        </p:nvSpPr>
-        <p:spPr>
-          <a:xfrm>
-            <a:off x="4032839" y="5826717"/>
-            <a:ext cx="4040850" cy="369332"/>
-          </a:xfrm>
-          <a:prstGeom prst="rect">
-            <a:avLst/>
-          </a:prstGeom>
-          <a:noFill/>
-        </p:spPr>
-        <p:txBody>
-          <a:bodyPr wrap="none" rtlCol="0">
-            <a:spAutoFit/>
-          </a:bodyPr>
-          <a:lstStyle/>
-          <a:p>
-            <a:r>
-              <a:rPr lang="en-US" dirty="0">
-                <a:solidFill>
-                  <a:srgbClr val="3351FF"/>
-                </a:solidFill>
-              </a:rPr>
-              <a:t>Daily Runoff (01 July 1978 – 31 Oct 1978)</a:t>
-            </a:r>
-            <a:endParaRPr lang="en-GB" dirty="0">
-              <a:solidFill>
-                <a:srgbClr val="3351FF"/>
-              </a:solidFill>
-            </a:endParaRPr>
-          </a:p>
-        </p:txBody>
-      </p:sp>
       <p:cxnSp>
         <p:nvCxnSpPr>
           <p:cNvPr id="10" name="Straight Connector 9">
@@ -4893,7 +4620,7 @@
         </p:nvCxnSpPr>
         <p:spPr>
           <a:xfrm>
-            <a:off x="3107870" y="4218835"/>
+            <a:off x="3107870" y="3696321"/>
             <a:ext cx="337457" cy="0"/>
           </a:xfrm>
           <a:prstGeom prst="line">
@@ -4934,7 +4661,7 @@
         </p:nvCxnSpPr>
         <p:spPr>
           <a:xfrm>
-            <a:off x="3107870" y="4448026"/>
+            <a:off x="3107870" y="3925512"/>
             <a:ext cx="337457" cy="0"/>
           </a:xfrm>
           <a:prstGeom prst="line">
@@ -4975,7 +4702,7 @@
         </p:nvSpPr>
         <p:spPr>
           <a:xfrm>
-            <a:off x="3489260" y="4088030"/>
+            <a:off x="3489260" y="3565516"/>
             <a:ext cx="688009" cy="261610"/>
           </a:xfrm>
           <a:prstGeom prst="rect">
@@ -5011,7 +4738,7 @@
         </p:nvSpPr>
         <p:spPr>
           <a:xfrm>
-            <a:off x="3489260" y="4317221"/>
+            <a:off x="3489260" y="3794707"/>
             <a:ext cx="1087157" cy="261610"/>
           </a:xfrm>
           <a:prstGeom prst="rect">
@@ -5033,10 +4760,676 @@
           </a:p>
         </p:txBody>
       </p:sp>
+      <p:sp>
+        <p:nvSpPr>
+          <p:cNvPr id="14" name="TextBox 13">
+            <a:extLst>
+              <a:ext uri="{FF2B5EF4-FFF2-40B4-BE49-F238E27FC236}">
+                <a16:creationId xmlns:a16="http://schemas.microsoft.com/office/drawing/2014/main" id="{567CB4A4-64CE-4B3A-913F-D41E1C5721ED}"/>
+              </a:ext>
+            </a:extLst>
+          </p:cNvPr>
+          <p:cNvSpPr txBox="1"/>
+          <p:nvPr/>
+        </p:nvSpPr>
+        <p:spPr>
+          <a:xfrm>
+            <a:off x="3266700" y="5838061"/>
+            <a:ext cx="5658600" cy="369332"/>
+          </a:xfrm>
+          <a:prstGeom prst="rect">
+            <a:avLst/>
+          </a:prstGeom>
+          <a:noFill/>
+        </p:spPr>
+        <p:txBody>
+          <a:bodyPr wrap="none" rtlCol="0">
+            <a:spAutoFit/>
+          </a:bodyPr>
+          <a:lstStyle/>
+          <a:p>
+            <a:r>
+              <a:rPr lang="en-US" dirty="0">
+                <a:solidFill>
+                  <a:srgbClr val="3351FF"/>
+                </a:solidFill>
+              </a:rPr>
+              <a:t>Daily Virtual Observed Runoff (01 July 1974 – 30 Sep 1974)</a:t>
+            </a:r>
+            <a:endParaRPr lang="en-GB" dirty="0">
+              <a:solidFill>
+                <a:srgbClr val="3351FF"/>
+              </a:solidFill>
+            </a:endParaRPr>
+          </a:p>
+        </p:txBody>
+      </p:sp>
+    </p:spTree>
+    <p:extLst>
+      <p:ext uri="{BB962C8B-B14F-4D97-AF65-F5344CB8AC3E}">
+        <p14:creationId xmlns:p14="http://schemas.microsoft.com/office/powerpoint/2010/main" val="1671032650"/>
+      </p:ext>
+    </p:extLst>
+  </p:cSld>
+  <p:clrMapOvr>
+    <a:masterClrMapping/>
+  </p:clrMapOvr>
+</p:sld>
+</file>
+
+<file path=ppt/slides/slide7.xml><?xml version="1.0" encoding="utf-8"?>
+<p:sld xmlns:a="http://schemas.openxmlformats.org/drawingml/2006/main" xmlns:r="http://schemas.openxmlformats.org/officeDocument/2006/relationships" xmlns:p="http://schemas.openxmlformats.org/presentationml/2006/main">
+  <p:cSld>
+    <p:spTree>
+      <p:nvGrpSpPr>
+        <p:cNvPr id="1" name=""/>
+        <p:cNvGrpSpPr/>
+        <p:nvPr/>
+      </p:nvGrpSpPr>
+      <p:grpSpPr>
+        <a:xfrm>
+          <a:off x="0" y="0"/>
+          <a:ext cx="0" cy="0"/>
+          <a:chOff x="0" y="0"/>
+          <a:chExt cx="0" cy="0"/>
+        </a:xfrm>
+      </p:grpSpPr>
+      <p:pic>
+        <p:nvPicPr>
+          <p:cNvPr id="14" name="Picture 13">
+            <a:extLst>
+              <a:ext uri="{FF2B5EF4-FFF2-40B4-BE49-F238E27FC236}">
+                <a16:creationId xmlns:a16="http://schemas.microsoft.com/office/drawing/2014/main" id="{DEF05BEC-D656-413C-8B47-C1F803D4EB9A}"/>
+              </a:ext>
+            </a:extLst>
+          </p:cNvPr>
+          <p:cNvPicPr>
+            <a:picLocks noChangeAspect="1"/>
+          </p:cNvPicPr>
+          <p:nvPr/>
+        </p:nvPicPr>
+        <p:blipFill>
+          <a:blip r:embed="rId2"/>
+          <a:stretch>
+            <a:fillRect/>
+          </a:stretch>
+        </p:blipFill>
+        <p:spPr>
+          <a:xfrm>
+            <a:off x="2153119" y="661951"/>
+            <a:ext cx="7330884" cy="5534098"/>
+          </a:xfrm>
+          <a:prstGeom prst="rect">
+            <a:avLst/>
+          </a:prstGeom>
+        </p:spPr>
+      </p:pic>
+      <p:sp>
+        <p:nvSpPr>
+          <p:cNvPr id="6" name="TextBox 5">
+            <a:extLst>
+              <a:ext uri="{FF2B5EF4-FFF2-40B4-BE49-F238E27FC236}">
+                <a16:creationId xmlns:a16="http://schemas.microsoft.com/office/drawing/2014/main" id="{EE381DB2-BC4C-44E6-8B04-4976EFDCEA47}"/>
+              </a:ext>
+            </a:extLst>
+          </p:cNvPr>
+          <p:cNvSpPr txBox="1"/>
+          <p:nvPr/>
+        </p:nvSpPr>
+        <p:spPr>
+          <a:xfrm rot="16200000">
+            <a:off x="1464790" y="3353781"/>
+            <a:ext cx="1376659" cy="369332"/>
+          </a:xfrm>
+          <a:prstGeom prst="rect">
+            <a:avLst/>
+          </a:prstGeom>
+          <a:noFill/>
+        </p:spPr>
+        <p:txBody>
+          <a:bodyPr wrap="none" rtlCol="0">
+            <a:spAutoFit/>
+          </a:bodyPr>
+          <a:lstStyle/>
+          <a:p>
+            <a:r>
+              <a:rPr lang="en-US" dirty="0"/>
+              <a:t>Runoff (mm)</a:t>
+            </a:r>
+            <a:endParaRPr lang="en-GB" dirty="0"/>
+          </a:p>
+        </p:txBody>
+      </p:sp>
+      <p:sp>
+        <p:nvSpPr>
+          <p:cNvPr id="7" name="TextBox 6">
+            <a:extLst>
+              <a:ext uri="{FF2B5EF4-FFF2-40B4-BE49-F238E27FC236}">
+                <a16:creationId xmlns:a16="http://schemas.microsoft.com/office/drawing/2014/main" id="{B42935C7-9EE4-49FB-AEC0-76077729F497}"/>
+              </a:ext>
+            </a:extLst>
+          </p:cNvPr>
+          <p:cNvSpPr txBox="1"/>
+          <p:nvPr/>
+        </p:nvSpPr>
+        <p:spPr>
+          <a:xfrm rot="16200000">
+            <a:off x="9149152" y="3353782"/>
+            <a:ext cx="1157689" cy="369332"/>
+          </a:xfrm>
+          <a:prstGeom prst="rect">
+            <a:avLst/>
+          </a:prstGeom>
+          <a:noFill/>
+        </p:spPr>
+        <p:txBody>
+          <a:bodyPr wrap="none" rtlCol="0">
+            <a:spAutoFit/>
+          </a:bodyPr>
+          <a:lstStyle/>
+          <a:p>
+            <a:r>
+              <a:rPr lang="en-US" dirty="0">
+                <a:solidFill>
+                  <a:srgbClr val="3351FF"/>
+                </a:solidFill>
+              </a:rPr>
+              <a:t>Rain (mm)</a:t>
+            </a:r>
+            <a:endParaRPr lang="en-GB" dirty="0">
+              <a:solidFill>
+                <a:srgbClr val="3351FF"/>
+              </a:solidFill>
+            </a:endParaRPr>
+          </a:p>
+        </p:txBody>
+      </p:sp>
+      <p:sp>
+        <p:nvSpPr>
+          <p:cNvPr id="8" name="TextBox 7">
+            <a:extLst>
+              <a:ext uri="{FF2B5EF4-FFF2-40B4-BE49-F238E27FC236}">
+                <a16:creationId xmlns:a16="http://schemas.microsoft.com/office/drawing/2014/main" id="{3FE1D026-08EE-4716-A022-1E1282F54856}"/>
+              </a:ext>
+            </a:extLst>
+          </p:cNvPr>
+          <p:cNvSpPr txBox="1"/>
+          <p:nvPr/>
+        </p:nvSpPr>
+        <p:spPr>
+          <a:xfrm>
+            <a:off x="4032839" y="883815"/>
+            <a:ext cx="4138249" cy="369332"/>
+          </a:xfrm>
+          <a:prstGeom prst="rect">
+            <a:avLst/>
+          </a:prstGeom>
+          <a:noFill/>
+        </p:spPr>
+        <p:txBody>
+          <a:bodyPr wrap="none" rtlCol="0">
+            <a:spAutoFit/>
+          </a:bodyPr>
+          <a:lstStyle/>
+          <a:p>
+            <a:r>
+              <a:rPr lang="en-US" dirty="0">
+                <a:solidFill>
+                  <a:srgbClr val="3351FF"/>
+                </a:solidFill>
+              </a:rPr>
+              <a:t>Daily Rainfall (01 Mar 1978 – 31 Oct 1978)</a:t>
+            </a:r>
+            <a:endParaRPr lang="en-GB" dirty="0">
+              <a:solidFill>
+                <a:srgbClr val="3351FF"/>
+              </a:solidFill>
+            </a:endParaRPr>
+          </a:p>
+        </p:txBody>
+      </p:sp>
+      <p:cxnSp>
+        <p:nvCxnSpPr>
+          <p:cNvPr id="10" name="Straight Connector 9">
+            <a:extLst>
+              <a:ext uri="{FF2B5EF4-FFF2-40B4-BE49-F238E27FC236}">
+                <a16:creationId xmlns:a16="http://schemas.microsoft.com/office/drawing/2014/main" id="{7041AB1F-BDF1-4468-8F2C-9D1DFF6D1E55}"/>
+              </a:ext>
+            </a:extLst>
+          </p:cNvPr>
+          <p:cNvCxnSpPr/>
+          <p:nvPr/>
+        </p:nvCxnSpPr>
+        <p:spPr>
+          <a:xfrm>
+            <a:off x="3107870" y="4218835"/>
+            <a:ext cx="337457" cy="0"/>
+          </a:xfrm>
+          <a:prstGeom prst="line">
+            <a:avLst/>
+          </a:prstGeom>
+          <a:ln>
+            <a:solidFill>
+              <a:srgbClr val="3351FF"/>
+            </a:solidFill>
+          </a:ln>
+        </p:spPr>
+        <p:style>
+          <a:lnRef idx="1">
+            <a:schemeClr val="accent1"/>
+          </a:lnRef>
+          <a:fillRef idx="0">
+            <a:schemeClr val="accent1"/>
+          </a:fillRef>
+          <a:effectRef idx="0">
+            <a:schemeClr val="accent1"/>
+          </a:effectRef>
+          <a:fontRef idx="minor">
+            <a:schemeClr val="tx1"/>
+          </a:fontRef>
+        </p:style>
+      </p:cxnSp>
+      <p:cxnSp>
+        <p:nvCxnSpPr>
+          <p:cNvPr id="11" name="Straight Connector 10">
+            <a:extLst>
+              <a:ext uri="{FF2B5EF4-FFF2-40B4-BE49-F238E27FC236}">
+                <a16:creationId xmlns:a16="http://schemas.microsoft.com/office/drawing/2014/main" id="{340C8E4A-5C56-4735-A53B-215B29874EF9}"/>
+              </a:ext>
+            </a:extLst>
+          </p:cNvPr>
+          <p:cNvCxnSpPr/>
+          <p:nvPr/>
+        </p:nvCxnSpPr>
+        <p:spPr>
+          <a:xfrm>
+            <a:off x="3107870" y="4448026"/>
+            <a:ext cx="337457" cy="0"/>
+          </a:xfrm>
+          <a:prstGeom prst="line">
+            <a:avLst/>
+          </a:prstGeom>
+          <a:ln>
+            <a:solidFill>
+              <a:schemeClr val="tx1"/>
+            </a:solidFill>
+          </a:ln>
+        </p:spPr>
+        <p:style>
+          <a:lnRef idx="1">
+            <a:schemeClr val="accent1"/>
+          </a:lnRef>
+          <a:fillRef idx="0">
+            <a:schemeClr val="accent1"/>
+          </a:fillRef>
+          <a:effectRef idx="0">
+            <a:schemeClr val="accent1"/>
+          </a:effectRef>
+          <a:fontRef idx="minor">
+            <a:schemeClr val="tx1"/>
+          </a:fontRef>
+        </p:style>
+      </p:cxnSp>
+      <p:sp>
+        <p:nvSpPr>
+          <p:cNvPr id="12" name="TextBox 11">
+            <a:extLst>
+              <a:ext uri="{FF2B5EF4-FFF2-40B4-BE49-F238E27FC236}">
+                <a16:creationId xmlns:a16="http://schemas.microsoft.com/office/drawing/2014/main" id="{217E8610-925F-4CA6-A999-FCC6F460DAB3}"/>
+              </a:ext>
+            </a:extLst>
+          </p:cNvPr>
+          <p:cNvSpPr txBox="1"/>
+          <p:nvPr/>
+        </p:nvSpPr>
+        <p:spPr>
+          <a:xfrm>
+            <a:off x="3489260" y="4088030"/>
+            <a:ext cx="688009" cy="261610"/>
+          </a:xfrm>
+          <a:prstGeom prst="rect">
+            <a:avLst/>
+          </a:prstGeom>
+          <a:noFill/>
+        </p:spPr>
+        <p:txBody>
+          <a:bodyPr wrap="none" rtlCol="0">
+            <a:spAutoFit/>
+          </a:bodyPr>
+          <a:lstStyle/>
+          <a:p>
+            <a:r>
+              <a:rPr lang="en-US" sz="1100" dirty="0"/>
+              <a:t>Obs Rain</a:t>
+            </a:r>
+            <a:endParaRPr lang="en-GB" sz="1100" dirty="0"/>
+          </a:p>
+        </p:txBody>
+      </p:sp>
+      <p:sp>
+        <p:nvSpPr>
+          <p:cNvPr id="13" name="TextBox 12">
+            <a:extLst>
+              <a:ext uri="{FF2B5EF4-FFF2-40B4-BE49-F238E27FC236}">
+                <a16:creationId xmlns:a16="http://schemas.microsoft.com/office/drawing/2014/main" id="{8CCFB489-915A-4EB0-AFF1-C8B8608E0870}"/>
+              </a:ext>
+            </a:extLst>
+          </p:cNvPr>
+          <p:cNvSpPr txBox="1"/>
+          <p:nvPr/>
+        </p:nvSpPr>
+        <p:spPr>
+          <a:xfrm>
+            <a:off x="3489260" y="4317221"/>
+            <a:ext cx="1087157" cy="261610"/>
+          </a:xfrm>
+          <a:prstGeom prst="rect">
+            <a:avLst/>
+          </a:prstGeom>
+          <a:noFill/>
+        </p:spPr>
+        <p:txBody>
+          <a:bodyPr wrap="none" rtlCol="0">
+            <a:spAutoFit/>
+          </a:bodyPr>
+          <a:lstStyle/>
+          <a:p>
+            <a:r>
+              <a:rPr lang="en-US" sz="1100" dirty="0"/>
+              <a:t>Vir.Obs. Runoff</a:t>
+            </a:r>
+            <a:endParaRPr lang="en-GB" sz="1100" dirty="0"/>
+          </a:p>
+        </p:txBody>
+      </p:sp>
+      <p:sp>
+        <p:nvSpPr>
+          <p:cNvPr id="15" name="TextBox 14">
+            <a:extLst>
+              <a:ext uri="{FF2B5EF4-FFF2-40B4-BE49-F238E27FC236}">
+                <a16:creationId xmlns:a16="http://schemas.microsoft.com/office/drawing/2014/main" id="{73511A84-03F2-47EA-BD14-6C7A4857D616}"/>
+              </a:ext>
+            </a:extLst>
+          </p:cNvPr>
+          <p:cNvSpPr txBox="1"/>
+          <p:nvPr/>
+        </p:nvSpPr>
+        <p:spPr>
+          <a:xfrm>
+            <a:off x="3266700" y="5838061"/>
+            <a:ext cx="5658600" cy="369332"/>
+          </a:xfrm>
+          <a:prstGeom prst="rect">
+            <a:avLst/>
+          </a:prstGeom>
+          <a:noFill/>
+        </p:spPr>
+        <p:txBody>
+          <a:bodyPr wrap="none" rtlCol="0">
+            <a:spAutoFit/>
+          </a:bodyPr>
+          <a:lstStyle/>
+          <a:p>
+            <a:r>
+              <a:rPr lang="en-US" dirty="0">
+                <a:solidFill>
+                  <a:srgbClr val="3351FF"/>
+                </a:solidFill>
+              </a:rPr>
+              <a:t>Daily Virtual Observed Runoff (01 July 1974 – 30 Sep 1974)</a:t>
+            </a:r>
+            <a:endParaRPr lang="en-GB" dirty="0">
+              <a:solidFill>
+                <a:srgbClr val="3351FF"/>
+              </a:solidFill>
+            </a:endParaRPr>
+          </a:p>
+        </p:txBody>
+      </p:sp>
     </p:spTree>
     <p:extLst>
       <p:ext uri="{BB962C8B-B14F-4D97-AF65-F5344CB8AC3E}">
         <p14:creationId xmlns:p14="http://schemas.microsoft.com/office/powerpoint/2010/main" val="815516617"/>
+      </p:ext>
+    </p:extLst>
+  </p:cSld>
+  <p:clrMapOvr>
+    <a:masterClrMapping/>
+  </p:clrMapOvr>
+</p:sld>
+</file>
+
+<file path=ppt/slides/slide8.xml><?xml version="1.0" encoding="utf-8"?>
+<p:sld xmlns:a="http://schemas.openxmlformats.org/drawingml/2006/main" xmlns:r="http://schemas.openxmlformats.org/officeDocument/2006/relationships" xmlns:p="http://schemas.openxmlformats.org/presentationml/2006/main">
+  <p:cSld>
+    <p:spTree>
+      <p:nvGrpSpPr>
+        <p:cNvPr id="1" name=""/>
+        <p:cNvGrpSpPr/>
+        <p:nvPr/>
+      </p:nvGrpSpPr>
+      <p:grpSpPr>
+        <a:xfrm>
+          <a:off x="0" y="0"/>
+          <a:ext cx="0" cy="0"/>
+          <a:chOff x="0" y="0"/>
+          <a:chExt cx="0" cy="0"/>
+        </a:xfrm>
+      </p:grpSpPr>
+      <p:sp>
+        <p:nvSpPr>
+          <p:cNvPr id="2" name="Title 1">
+            <a:extLst>
+              <a:ext uri="{FF2B5EF4-FFF2-40B4-BE49-F238E27FC236}">
+                <a16:creationId xmlns:a16="http://schemas.microsoft.com/office/drawing/2014/main" id="{489BAB1E-BEC0-4504-B62A-E9A4AB469468}"/>
+              </a:ext>
+            </a:extLst>
+          </p:cNvPr>
+          <p:cNvSpPr>
+            <a:spLocks noGrp="1"/>
+          </p:cNvSpPr>
+          <p:nvPr>
+            <p:ph type="title"/>
+          </p:nvPr>
+        </p:nvSpPr>
+        <p:spPr/>
+        <p:txBody>
+          <a:bodyPr/>
+          <a:lstStyle/>
+          <a:p>
+            <a:r>
+              <a:rPr lang="en-AU" dirty="0"/>
+              <a:t>Plan</a:t>
+            </a:r>
+          </a:p>
+        </p:txBody>
+      </p:sp>
+      <p:sp>
+        <p:nvSpPr>
+          <p:cNvPr id="3" name="Content Placeholder 2">
+            <a:extLst>
+              <a:ext uri="{FF2B5EF4-FFF2-40B4-BE49-F238E27FC236}">
+                <a16:creationId xmlns:a16="http://schemas.microsoft.com/office/drawing/2014/main" id="{09DEC483-5FF2-4F28-8B7C-A13F2B230F18}"/>
+              </a:ext>
+            </a:extLst>
+          </p:cNvPr>
+          <p:cNvSpPr>
+            <a:spLocks noGrp="1"/>
+          </p:cNvSpPr>
+          <p:nvPr>
+            <p:ph idx="1"/>
+          </p:nvPr>
+        </p:nvSpPr>
+        <p:spPr>
+          <a:xfrm>
+            <a:off x="838200" y="1825625"/>
+            <a:ext cx="10515600" cy="4927388"/>
+          </a:xfrm>
+        </p:spPr>
+        <p:txBody>
+          <a:bodyPr/>
+          <a:lstStyle/>
+          <a:p>
+            <a:r>
+              <a:rPr lang="en-AU" dirty="0"/>
+              <a:t> Rerun the optimisation</a:t>
+            </a:r>
+          </a:p>
+          <a:p>
+            <a:r>
+              <a:rPr lang="en-AU" dirty="0"/>
+              <a:t> Make a general skeleton for presenting the pilot study:</a:t>
+            </a:r>
+          </a:p>
+          <a:p>
+            <a:pPr marL="0" indent="0">
+              <a:buNone/>
+            </a:pPr>
+            <a:r>
+              <a:rPr lang="en-AU" dirty="0"/>
+              <a:t>   - motivation: presenting a case where “good” modelled rainfall translate to “bad” runoff.</a:t>
+            </a:r>
+          </a:p>
+          <a:p>
+            <a:pPr marL="0" indent="0">
+              <a:buNone/>
+            </a:pPr>
+            <a:r>
+              <a:rPr lang="en-AU" dirty="0"/>
+              <a:t>   - presenting: the WGEN model, the GR4J model, virtual observed streamflow, hydrological calibration procedure</a:t>
+            </a:r>
+          </a:p>
+          <a:p>
+            <a:pPr marL="0" indent="0">
+              <a:buNone/>
+            </a:pPr>
+            <a:r>
+              <a:rPr lang="en-AU" dirty="0"/>
+              <a:t>   - outcome of the calibration</a:t>
+            </a:r>
+          </a:p>
+          <a:p>
+            <a:pPr marL="0" indent="0">
+              <a:buNone/>
+            </a:pPr>
+            <a:r>
+              <a:rPr lang="en-AU" dirty="0"/>
+              <a:t>   - discussing on the use of the objective function</a:t>
+            </a:r>
+          </a:p>
+          <a:p>
+            <a:pPr marL="0" indent="0">
+              <a:buNone/>
+            </a:pPr>
+            <a:r>
+              <a:rPr lang="en-AU" dirty="0"/>
+              <a:t> </a:t>
+            </a:r>
+          </a:p>
+        </p:txBody>
+      </p:sp>
+    </p:spTree>
+    <p:extLst>
+      <p:ext uri="{BB962C8B-B14F-4D97-AF65-F5344CB8AC3E}">
+        <p14:creationId xmlns:p14="http://schemas.microsoft.com/office/powerpoint/2010/main" val="3782292079"/>
+      </p:ext>
+    </p:extLst>
+  </p:cSld>
+  <p:clrMapOvr>
+    <a:masterClrMapping/>
+  </p:clrMapOvr>
+</p:sld>
+</file>
+
+<file path=ppt/slides/slide9.xml><?xml version="1.0" encoding="utf-8"?>
+<p:sld xmlns:a="http://schemas.openxmlformats.org/drawingml/2006/main" xmlns:r="http://schemas.openxmlformats.org/officeDocument/2006/relationships" xmlns:p="http://schemas.openxmlformats.org/presentationml/2006/main">
+  <p:cSld>
+    <p:spTree>
+      <p:nvGrpSpPr>
+        <p:cNvPr id="1" name=""/>
+        <p:cNvGrpSpPr/>
+        <p:nvPr/>
+      </p:nvGrpSpPr>
+      <p:grpSpPr>
+        <a:xfrm>
+          <a:off x="0" y="0"/>
+          <a:ext cx="0" cy="0"/>
+          <a:chOff x="0" y="0"/>
+          <a:chExt cx="0" cy="0"/>
+        </a:xfrm>
+      </p:grpSpPr>
+      <p:sp>
+        <p:nvSpPr>
+          <p:cNvPr id="2" name="Title 1">
+            <a:extLst>
+              <a:ext uri="{FF2B5EF4-FFF2-40B4-BE49-F238E27FC236}">
+                <a16:creationId xmlns:a16="http://schemas.microsoft.com/office/drawing/2014/main" id="{75DC4A27-6C46-43B2-A833-46FFAEE5A94A}"/>
+              </a:ext>
+            </a:extLst>
+          </p:cNvPr>
+          <p:cNvSpPr>
+            <a:spLocks noGrp="1"/>
+          </p:cNvSpPr>
+          <p:nvPr>
+            <p:ph type="title"/>
+          </p:nvPr>
+        </p:nvSpPr>
+        <p:spPr/>
+        <p:txBody>
+          <a:bodyPr/>
+          <a:lstStyle/>
+          <a:p>
+            <a:r>
+              <a:rPr lang="en-AU" dirty="0"/>
+              <a:t>Meeting break</a:t>
+            </a:r>
+          </a:p>
+        </p:txBody>
+      </p:sp>
+      <p:sp>
+        <p:nvSpPr>
+          <p:cNvPr id="3" name="Content Placeholder 2">
+            <a:extLst>
+              <a:ext uri="{FF2B5EF4-FFF2-40B4-BE49-F238E27FC236}">
+                <a16:creationId xmlns:a16="http://schemas.microsoft.com/office/drawing/2014/main" id="{E9320200-9A69-4A7D-9379-3541A6AAC409}"/>
+              </a:ext>
+            </a:extLst>
+          </p:cNvPr>
+          <p:cNvSpPr>
+            <a:spLocks noGrp="1"/>
+          </p:cNvSpPr>
+          <p:nvPr>
+            <p:ph idx="1"/>
+          </p:nvPr>
+        </p:nvSpPr>
+        <p:spPr/>
+        <p:txBody>
+          <a:bodyPr/>
+          <a:lstStyle/>
+          <a:p>
+            <a:r>
+              <a:rPr lang="en-AU" dirty="0"/>
+              <a:t>24 Dec 2021</a:t>
+            </a:r>
+          </a:p>
+          <a:p>
+            <a:r>
+              <a:rPr lang="en-AU" dirty="0"/>
+              <a:t>31 Dec 2021</a:t>
+            </a:r>
+          </a:p>
+          <a:p>
+            <a:r>
+              <a:rPr lang="en-AU" dirty="0"/>
+              <a:t>07 Jan 2022</a:t>
+            </a:r>
+          </a:p>
+        </p:txBody>
+      </p:sp>
+    </p:spTree>
+    <p:extLst>
+      <p:ext uri="{BB962C8B-B14F-4D97-AF65-F5344CB8AC3E}">
+        <p14:creationId xmlns:p14="http://schemas.microsoft.com/office/powerpoint/2010/main" val="1511594043"/>
       </p:ext>
     </p:extLst>
   </p:cSld>
